--- a/PPT/每次课PPT/04 面向对象（下）-2.pptx
+++ b/PPT/每次课PPT/04 面向对象（下）-2.pptx
@@ -13130,6 +13130,72 @@
           </a:p>
         </p:txBody>
       </p:sp>
+      <p:sp>
+        <p:nvSpPr>
+          <p:cNvPr id="16" name="矩形 15"/>
+          <p:cNvSpPr/>
+          <p:nvPr/>
+        </p:nvSpPr>
+        <p:spPr bwMode="auto">
+          <a:xfrm>
+            <a:off x="2786013" y="5805264"/>
+            <a:ext cx="6624735" cy="648072"/>
+          </a:xfrm>
+          <a:prstGeom prst="rect">
+            <a:avLst/>
+          </a:prstGeom>
+          <a:solidFill>
+            <a:schemeClr val="tx1"/>
+          </a:solidFill>
+          <a:ln w="9525" cap="flat" cmpd="sng" algn="ctr">
+            <a:noFill/>
+            <a:prstDash val="solid"/>
+            <a:round/>
+            <a:headEnd type="none" w="med" len="med"/>
+            <a:tailEnd type="none" w="med" len="med"/>
+          </a:ln>
+          <a:effectLst/>
+          <a:extLst/>
+        </p:spPr>
+        <p:txBody>
+          <a:bodyPr vert="horz" wrap="square" lIns="91440" tIns="45720" rIns="91440" bIns="45720" numCol="1" rtlCol="0" anchor="t" anchorCtr="0" compatLnSpc="1">
+            <a:prstTxWarp prst="textNoShape">
+              <a:avLst/>
+            </a:prstTxWarp>
+          </a:bodyPr>
+          <a:lstStyle/>
+          <a:p>
+            <a:pPr algn="ctr"/>
+            <a:r>
+              <a:rPr lang="zh-CN" altLang="en-US" sz="3200" dirty="0" smtClean="0">
+                <a:solidFill>
+                  <a:srgbClr val="F8F8F8"/>
+                </a:solidFill>
+                <a:latin typeface="微软雅黑"/>
+                <a:ea typeface="微软雅黑"/>
+              </a:rPr>
+              <a:t>还可以自定义异常！</a:t>
+            </a:r>
+            <a:r>
+              <a:rPr lang="en-US" altLang="zh-CN" sz="3200" dirty="0" smtClean="0">
+                <a:solidFill>
+                  <a:srgbClr val="F8F8F8"/>
+                </a:solidFill>
+                <a:latin typeface="微软雅黑"/>
+                <a:ea typeface="微软雅黑"/>
+              </a:rPr>
+              <a:t>P147-149</a:t>
+            </a:r>
+            <a:endParaRPr lang="zh-CN" altLang="en-US" sz="3200" dirty="0" smtClean="0">
+              <a:solidFill>
+                <a:srgbClr val="F8F8F8"/>
+              </a:solidFill>
+              <a:latin typeface="微软雅黑"/>
+              <a:ea typeface="微软雅黑"/>
+            </a:endParaRPr>
+          </a:p>
+        </p:txBody>
+      </p:sp>
     </p:spTree>
     <p:extLst>
       <p:ext uri="{BB962C8B-B14F-4D97-AF65-F5344CB8AC3E}">
@@ -13143,8 +13209,8 @@
   <p:transition spd="slow" advTm="8563">
     <p:push dir="r"/>
   </p:transition>
-  <mc:AlternateContent xmlns:mc="http://schemas.openxmlformats.org/markup-compatibility/2006" xmlns:p14="http://schemas.microsoft.com/office/powerpoint/2010/main">
-    <mc:Choice Requires="p14">
+  <mc:AlternateContent xmlns:mc="http://schemas.openxmlformats.org/markup-compatibility/2006">
+    <mc:Choice xmlns:p14="http://schemas.microsoft.com/office/powerpoint/2010/main" Requires="p14">
       <p:timing>
         <p:tnLst>
           <p:par>
@@ -14013,6 +14079,50 @@
                                 </p:childTnLst>
                               </p:cTn>
                             </p:par>
+                            <p:par>
+                              <p:cTn id="61" fill="hold">
+                                <p:stCondLst>
+                                  <p:cond delay="5780"/>
+                                </p:stCondLst>
+                                <p:childTnLst>
+                                  <p:par>
+                                    <p:cTn id="62" presetID="22" presetClass="entr" presetSubtype="2" fill="hold" grpId="0" nodeType="afterEffect">
+                                      <p:stCondLst>
+                                        <p:cond delay="0"/>
+                                      </p:stCondLst>
+                                      <p:childTnLst>
+                                        <p:set>
+                                          <p:cBhvr>
+                                            <p:cTn id="63" dur="1" fill="hold">
+                                              <p:stCondLst>
+                                                <p:cond delay="0"/>
+                                              </p:stCondLst>
+                                            </p:cTn>
+                                            <p:tgtEl>
+                                              <p:spTgt spid="16"/>
+                                            </p:tgtEl>
+                                            <p:attrNameLst>
+                                              <p:attrName>style.visibility</p:attrName>
+                                            </p:attrNameLst>
+                                          </p:cBhvr>
+                                          <p:to>
+                                            <p:strVal val="visible"/>
+                                          </p:to>
+                                        </p:set>
+                                        <p:animEffect transition="in" filter="wipe(right)">
+                                          <p:cBhvr>
+                                            <p:cTn id="64" dur="500"/>
+                                            <p:tgtEl>
+                                              <p:spTgt spid="16"/>
+                                            </p:tgtEl>
+                                          </p:cBhvr>
+                                        </p:animEffect>
+                                      </p:childTnLst>
+                                    </p:cTn>
+                                  </p:par>
+                                </p:childTnLst>
+                              </p:cTn>
+                            </p:par>
                           </p:childTnLst>
                         </p:cTn>
                       </p:par>
@@ -14048,10 +14158,11 @@
           <p:bldP spid="14" grpId="0"/>
           <p:bldP spid="15" grpId="0"/>
           <p:bldP spid="18" grpId="0"/>
+          <p:bldP spid="16" grpId="0" animBg="1"/>
         </p:bldLst>
       </p:timing>
     </mc:Choice>
-    <mc:Fallback xmlns="">
+    <mc:Fallback>
       <p:timing>
         <p:tnLst>
           <p:par>
@@ -14920,6 +15031,50 @@
                                 </p:childTnLst>
                               </p:cTn>
                             </p:par>
+                            <p:par>
+                              <p:cTn id="61" fill="hold">
+                                <p:stCondLst>
+                                  <p:cond delay="5780"/>
+                                </p:stCondLst>
+                                <p:childTnLst>
+                                  <p:par>
+                                    <p:cTn id="62" presetID="22" presetClass="entr" presetSubtype="2" fill="hold" grpId="0" nodeType="afterEffect">
+                                      <p:stCondLst>
+                                        <p:cond delay="0"/>
+                                      </p:stCondLst>
+                                      <p:childTnLst>
+                                        <p:set>
+                                          <p:cBhvr>
+                                            <p:cTn id="63" dur="1" fill="hold">
+                                              <p:stCondLst>
+                                                <p:cond delay="0"/>
+                                              </p:stCondLst>
+                                            </p:cTn>
+                                            <p:tgtEl>
+                                              <p:spTgt spid="16"/>
+                                            </p:tgtEl>
+                                            <p:attrNameLst>
+                                              <p:attrName>style.visibility</p:attrName>
+                                            </p:attrNameLst>
+                                          </p:cBhvr>
+                                          <p:to>
+                                            <p:strVal val="visible"/>
+                                          </p:to>
+                                        </p:set>
+                                        <p:animEffect transition="in" filter="wipe(right)">
+                                          <p:cBhvr>
+                                            <p:cTn id="64" dur="500"/>
+                                            <p:tgtEl>
+                                              <p:spTgt spid="16"/>
+                                            </p:tgtEl>
+                                          </p:cBhvr>
+                                        </p:animEffect>
+                                      </p:childTnLst>
+                                    </p:cTn>
+                                  </p:par>
+                                </p:childTnLst>
+                              </p:cTn>
+                            </p:par>
                           </p:childTnLst>
                         </p:cTn>
                       </p:par>
@@ -14955,6 +15110,7 @@
           <p:bldP spid="14" grpId="0"/>
           <p:bldP spid="15" grpId="0"/>
           <p:bldP spid="18" grpId="0"/>
+          <p:bldP spid="16" grpId="0" animBg="1"/>
         </p:bldLst>
       </p:timing>
     </mc:Fallback>
@@ -15557,6 +15713,97 @@
                       </p:childTnLst>
                     </p:cTn>
                   </p:par>
+                  <p:par>
+                    <p:cTn id="21" fill="hold">
+                      <p:stCondLst>
+                        <p:cond delay="indefinite"/>
+                      </p:stCondLst>
+                      <p:childTnLst>
+                        <p:par>
+                          <p:cTn id="22" fill="hold">
+                            <p:stCondLst>
+                              <p:cond delay="0"/>
+                            </p:stCondLst>
+                            <p:childTnLst>
+                              <p:par>
+                                <p:cTn id="23" presetID="2" presetClass="entr" presetSubtype="4" fill="hold" nodeType="clickEffect">
+                                  <p:stCondLst>
+                                    <p:cond delay="0"/>
+                                  </p:stCondLst>
+                                  <p:childTnLst>
+                                    <p:set>
+                                      <p:cBhvr>
+                                        <p:cTn id="24" dur="1" fill="hold">
+                                          <p:stCondLst>
+                                            <p:cond delay="0"/>
+                                          </p:stCondLst>
+                                        </p:cTn>
+                                        <p:tgtEl>
+                                          <p:spTgt spid="2050"/>
+                                        </p:tgtEl>
+                                        <p:attrNameLst>
+                                          <p:attrName>style.visibility</p:attrName>
+                                        </p:attrNameLst>
+                                      </p:cBhvr>
+                                      <p:to>
+                                        <p:strVal val="visible"/>
+                                      </p:to>
+                                    </p:set>
+                                    <p:anim calcmode="lin" valueType="num">
+                                      <p:cBhvr additive="base">
+                                        <p:cTn id="25" dur="500" fill="hold"/>
+                                        <p:tgtEl>
+                                          <p:spTgt spid="2050"/>
+                                        </p:tgtEl>
+                                        <p:attrNameLst>
+                                          <p:attrName>ppt_x</p:attrName>
+                                        </p:attrNameLst>
+                                      </p:cBhvr>
+                                      <p:tavLst>
+                                        <p:tav tm="0">
+                                          <p:val>
+                                            <p:strVal val="#ppt_x"/>
+                                          </p:val>
+                                        </p:tav>
+                                        <p:tav tm="100000">
+                                          <p:val>
+                                            <p:strVal val="#ppt_x"/>
+                                          </p:val>
+                                        </p:tav>
+                                      </p:tavLst>
+                                    </p:anim>
+                                    <p:anim calcmode="lin" valueType="num">
+                                      <p:cBhvr additive="base">
+                                        <p:cTn id="26" dur="500" fill="hold"/>
+                                        <p:tgtEl>
+                                          <p:spTgt spid="2050"/>
+                                        </p:tgtEl>
+                                        <p:attrNameLst>
+                                          <p:attrName>ppt_y</p:attrName>
+                                        </p:attrNameLst>
+                                      </p:cBhvr>
+                                      <p:tavLst>
+                                        <p:tav tm="0">
+                                          <p:val>
+                                            <p:strVal val="1+#ppt_h/2"/>
+                                          </p:val>
+                                        </p:tav>
+                                        <p:tav tm="100000">
+                                          <p:val>
+                                            <p:strVal val="#ppt_y"/>
+                                          </p:val>
+                                        </p:tav>
+                                      </p:tavLst>
+                                    </p:anim>
+                                  </p:childTnLst>
+                                </p:cTn>
+                              </p:par>
+                            </p:childTnLst>
+                          </p:cTn>
+                        </p:par>
+                      </p:childTnLst>
+                    </p:cTn>
+                  </p:par>
                 </p:childTnLst>
               </p:cTn>
               <p:prevCondLst>
@@ -16244,33 +16491,7 @@
                 <a:latin typeface="微软雅黑"/>
                 <a:ea typeface="微软雅黑"/>
               </a:rPr>
-              <a:t>文件</a:t>
-            </a:r>
-            <a:r>
-              <a:rPr lang="zh-CN" altLang="en-US" sz="2200" dirty="0" smtClean="0">
-                <a:solidFill>
-                  <a:srgbClr val="C2C1C1">
-                    <a:lumMod val="20000"/>
-                    <a:lumOff val="80000"/>
-                  </a:srgbClr>
-                </a:solidFill>
-                <a:latin typeface="微软雅黑"/>
-                <a:ea typeface="微软雅黑"/>
-              </a:rPr>
-              <a:t>所在</a:t>
-            </a:r>
-            <a:r>
-              <a:rPr lang="zh-CN" altLang="en-US" sz="2200" dirty="0" smtClean="0">
-                <a:solidFill>
-                  <a:srgbClr val="C2C1C1">
-                    <a:lumMod val="20000"/>
-                    <a:lumOff val="80000"/>
-                  </a:srgbClr>
-                </a:solidFill>
-                <a:latin typeface="微软雅黑"/>
-                <a:ea typeface="微软雅黑"/>
-              </a:rPr>
-              <a:t>目录</a:t>
+              <a:t>文件所在目录</a:t>
             </a:r>
             <a:r>
               <a:rPr lang="en-US" altLang="zh-CN" sz="2200" dirty="0" smtClean="0">
@@ -20152,15 +20373,24 @@
                                   </p:childTnLst>
                                 </p:cTn>
                               </p:par>
+                            </p:childTnLst>
+                          </p:cTn>
+                        </p:par>
+                        <p:par>
+                          <p:cTn id="63" fill="hold">
+                            <p:stCondLst>
+                              <p:cond delay="5020"/>
+                            </p:stCondLst>
+                            <p:childTnLst>
                               <p:par>
-                                <p:cTn id="63" presetID="52" presetClass="entr" presetSubtype="0" fill="hold" nodeType="withEffect">
+                                <p:cTn id="64" presetID="52" presetClass="entr" presetSubtype="0" fill="hold" nodeType="afterEffect">
                                   <p:stCondLst>
-                                    <p:cond delay="200"/>
+                                    <p:cond delay="0"/>
                                   </p:stCondLst>
                                   <p:childTnLst>
                                     <p:set>
                                       <p:cBhvr>
-                                        <p:cTn id="64" dur="1" fill="hold">
+                                        <p:cTn id="65" dur="1" fill="hold">
                                           <p:stCondLst>
                                             <p:cond delay="0"/>
                                           </p:stCondLst>
@@ -20178,20 +20408,6 @@
                                     </p:set>
                                     <p:animScale>
                                       <p:cBhvr>
-                                        <p:cTn id="65" dur="500" decel="50000" fill="hold">
-                                          <p:stCondLst>
-                                            <p:cond delay="0"/>
-                                          </p:stCondLst>
-                                        </p:cTn>
-                                        <p:tgtEl>
-                                          <p:spTgt spid="30"/>
-                                        </p:tgtEl>
-                                      </p:cBhvr>
-                                      <p:from x="250000" y="250000"/>
-                                      <p:to x="100000" y="100000"/>
-                                    </p:animScale>
-                                    <p:animMotion origin="layout" path="M -0.46736 0.92887  C -0.37517 0.88508  -0.02552 0.75279  0.0908 0.66613  C  0.20747 0.57948  0.21649 0.50394  0.23177 0.40825  C 0.24705 0.31256  0.22118 0.15964   0.18264 0.09152  C 0.1441 0.02341  0.03802 0.0  0.0 0.0  " pathEditMode="relative" ptsTypes="">
-                                      <p:cBhvr>
                                         <p:cTn id="66" dur="500" decel="50000" fill="hold">
                                           <p:stCondLst>
                                             <p:cond delay="0"/>
@@ -20200,6 +20416,20 @@
                                         <p:tgtEl>
                                           <p:spTgt spid="30"/>
                                         </p:tgtEl>
+                                      </p:cBhvr>
+                                      <p:from x="250000" y="250000"/>
+                                      <p:to x="100000" y="100000"/>
+                                    </p:animScale>
+                                    <p:animMotion origin="layout" path="M -0.46736 0.92887  C -0.37517 0.88508  -0.02552 0.75279  0.0908 0.66613  C  0.20747 0.57948  0.21649 0.50394  0.23177 0.40825  C 0.24705 0.31256  0.22118 0.15964   0.18264 0.09152  C 0.1441 0.02341  0.03802 0.0  0.0 0.0  " pathEditMode="relative" ptsTypes="">
+                                      <p:cBhvr>
+                                        <p:cTn id="67" dur="500" decel="50000" fill="hold">
+                                          <p:stCondLst>
+                                            <p:cond delay="0"/>
+                                          </p:stCondLst>
+                                        </p:cTn>
+                                        <p:tgtEl>
+                                          <p:spTgt spid="30"/>
+                                        </p:tgtEl>
                                         <p:attrNameLst>
                                           <p:attrName>ppt_x</p:attrName>
                                           <p:attrName>ppt_y</p:attrName>
@@ -20208,7 +20438,7 @@
                                     </p:animMotion>
                                     <p:animEffect transition="in" filter="fade">
                                       <p:cBhvr>
-                                        <p:cTn id="67" dur="500"/>
+                                        <p:cTn id="68" dur="500"/>
                                         <p:tgtEl>
                                           <p:spTgt spid="30"/>
                                         </p:tgtEl>
@@ -20217,15 +20447,24 @@
                                   </p:childTnLst>
                                 </p:cTn>
                               </p:par>
+                            </p:childTnLst>
+                          </p:cTn>
+                        </p:par>
+                        <p:par>
+                          <p:cTn id="69" fill="hold">
+                            <p:stCondLst>
+                              <p:cond delay="5520"/>
+                            </p:stCondLst>
+                            <p:childTnLst>
                               <p:par>
-                                <p:cTn id="68" presetID="52" presetClass="entr" presetSubtype="0" fill="hold" nodeType="withEffect">
+                                <p:cTn id="70" presetID="52" presetClass="entr" presetSubtype="0" fill="hold" nodeType="afterEffect">
                                   <p:stCondLst>
-                                    <p:cond delay="400"/>
+                                    <p:cond delay="0"/>
                                   </p:stCondLst>
                                   <p:childTnLst>
                                     <p:set>
                                       <p:cBhvr>
-                                        <p:cTn id="69" dur="1" fill="hold">
+                                        <p:cTn id="71" dur="1" fill="hold">
                                           <p:stCondLst>
                                             <p:cond delay="0"/>
                                           </p:stCondLst>
@@ -20243,7 +20482,7 @@
                                     </p:set>
                                     <p:animScale>
                                       <p:cBhvr>
-                                        <p:cTn id="70" dur="500" decel="50000" fill="hold">
+                                        <p:cTn id="72" dur="500" decel="50000" fill="hold">
                                           <p:stCondLst>
                                             <p:cond delay="0"/>
                                           </p:stCondLst>
@@ -20257,7 +20496,7 @@
                                     </p:animScale>
                                     <p:animMotion origin="layout" path="M -0.46736 0.92887  C -0.37517 0.88508  -0.02552 0.75279  0.0908 0.66613  C  0.20747 0.57948  0.21649 0.50394  0.23177 0.40825  C 0.24705 0.31256  0.22118 0.15964   0.18264 0.09152  C 0.1441 0.02341  0.03802 0.0  0.0 0.0  " pathEditMode="relative" ptsTypes="">
                                       <p:cBhvr>
-                                        <p:cTn id="71" dur="500" decel="50000" fill="hold">
+                                        <p:cTn id="73" dur="500" decel="50000" fill="hold">
                                           <p:stCondLst>
                                             <p:cond delay="0"/>
                                           </p:stCondLst>
@@ -20273,12 +20512,310 @@
                                     </p:animMotion>
                                     <p:animEffect transition="in" filter="fade">
                                       <p:cBhvr>
-                                        <p:cTn id="72" dur="500"/>
+                                        <p:cTn id="74" dur="500"/>
                                         <p:tgtEl>
                                           <p:spTgt spid="33"/>
                                         </p:tgtEl>
                                       </p:cBhvr>
                                     </p:animEffect>
+                                  </p:childTnLst>
+                                </p:cTn>
+                              </p:par>
+                            </p:childTnLst>
+                          </p:cTn>
+                        </p:par>
+                        <p:par>
+                          <p:cTn id="75" fill="hold">
+                            <p:stCondLst>
+                              <p:cond delay="6020"/>
+                            </p:stCondLst>
+                            <p:childTnLst>
+                              <p:par>
+                                <p:cTn id="76" presetID="10" presetClass="entr" presetSubtype="0" fill="hold" grpId="0" nodeType="afterEffect">
+                                  <p:stCondLst>
+                                    <p:cond delay="0"/>
+                                  </p:stCondLst>
+                                  <p:childTnLst>
+                                    <p:set>
+                                      <p:cBhvr>
+                                        <p:cTn id="77" dur="1" fill="hold">
+                                          <p:stCondLst>
+                                            <p:cond delay="0"/>
+                                          </p:stCondLst>
+                                        </p:cTn>
+                                        <p:tgtEl>
+                                          <p:spTgt spid="26"/>
+                                        </p:tgtEl>
+                                        <p:attrNameLst>
+                                          <p:attrName>style.visibility</p:attrName>
+                                        </p:attrNameLst>
+                                      </p:cBhvr>
+                                      <p:to>
+                                        <p:strVal val="visible"/>
+                                      </p:to>
+                                    </p:set>
+                                    <p:animEffect transition="in" filter="fade">
+                                      <p:cBhvr>
+                                        <p:cTn id="78" dur="500"/>
+                                        <p:tgtEl>
+                                          <p:spTgt spid="26"/>
+                                        </p:tgtEl>
+                                      </p:cBhvr>
+                                    </p:animEffect>
+                                  </p:childTnLst>
+                                </p:cTn>
+                              </p:par>
+                            </p:childTnLst>
+                          </p:cTn>
+                        </p:par>
+                        <p:par>
+                          <p:cTn id="79" fill="hold">
+                            <p:stCondLst>
+                              <p:cond delay="6520"/>
+                            </p:stCondLst>
+                            <p:childTnLst>
+                              <p:par>
+                                <p:cTn id="80" presetID="2" presetClass="entr" presetSubtype="4" fill="hold" grpId="0" nodeType="afterEffect">
+                                  <p:stCondLst>
+                                    <p:cond delay="0"/>
+                                  </p:stCondLst>
+                                  <p:childTnLst>
+                                    <p:set>
+                                      <p:cBhvr>
+                                        <p:cTn id="81" dur="1" fill="hold">
+                                          <p:stCondLst>
+                                            <p:cond delay="0"/>
+                                          </p:stCondLst>
+                                        </p:cTn>
+                                        <p:tgtEl>
+                                          <p:spTgt spid="37"/>
+                                        </p:tgtEl>
+                                        <p:attrNameLst>
+                                          <p:attrName>style.visibility</p:attrName>
+                                        </p:attrNameLst>
+                                      </p:cBhvr>
+                                      <p:to>
+                                        <p:strVal val="visible"/>
+                                      </p:to>
+                                    </p:set>
+                                    <p:anim calcmode="lin" valueType="num">
+                                      <p:cBhvr additive="base">
+                                        <p:cTn id="82" dur="500" fill="hold"/>
+                                        <p:tgtEl>
+                                          <p:spTgt spid="37"/>
+                                        </p:tgtEl>
+                                        <p:attrNameLst>
+                                          <p:attrName>ppt_x</p:attrName>
+                                        </p:attrNameLst>
+                                      </p:cBhvr>
+                                      <p:tavLst>
+                                        <p:tav tm="0">
+                                          <p:val>
+                                            <p:strVal val="#ppt_x"/>
+                                          </p:val>
+                                        </p:tav>
+                                        <p:tav tm="100000">
+                                          <p:val>
+                                            <p:strVal val="#ppt_x"/>
+                                          </p:val>
+                                        </p:tav>
+                                      </p:tavLst>
+                                    </p:anim>
+                                    <p:anim calcmode="lin" valueType="num">
+                                      <p:cBhvr additive="base">
+                                        <p:cTn id="83" dur="500" fill="hold"/>
+                                        <p:tgtEl>
+                                          <p:spTgt spid="37"/>
+                                        </p:tgtEl>
+                                        <p:attrNameLst>
+                                          <p:attrName>ppt_y</p:attrName>
+                                        </p:attrNameLst>
+                                      </p:cBhvr>
+                                      <p:tavLst>
+                                        <p:tav tm="0">
+                                          <p:val>
+                                            <p:strVal val="1+#ppt_h/2"/>
+                                          </p:val>
+                                        </p:tav>
+                                        <p:tav tm="100000">
+                                          <p:val>
+                                            <p:strVal val="#ppt_y"/>
+                                          </p:val>
+                                        </p:tav>
+                                      </p:tavLst>
+                                    </p:anim>
+                                  </p:childTnLst>
+                                </p:cTn>
+                              </p:par>
+                            </p:childTnLst>
+                          </p:cTn>
+                        </p:par>
+                        <p:par>
+                          <p:cTn id="84" fill="hold">
+                            <p:stCondLst>
+                              <p:cond delay="7020"/>
+                            </p:stCondLst>
+                            <p:childTnLst>
+                              <p:par>
+                                <p:cTn id="85" presetID="2" presetClass="entr" presetSubtype="4" fill="hold" grpId="0" nodeType="afterEffect">
+                                  <p:stCondLst>
+                                    <p:cond delay="0"/>
+                                  </p:stCondLst>
+                                  <p:childTnLst>
+                                    <p:set>
+                                      <p:cBhvr>
+                                        <p:cTn id="86" dur="1" fill="hold">
+                                          <p:stCondLst>
+                                            <p:cond delay="0"/>
+                                          </p:stCondLst>
+                                        </p:cTn>
+                                        <p:tgtEl>
+                                          <p:spTgt spid="40"/>
+                                        </p:tgtEl>
+                                        <p:attrNameLst>
+                                          <p:attrName>style.visibility</p:attrName>
+                                        </p:attrNameLst>
+                                      </p:cBhvr>
+                                      <p:to>
+                                        <p:strVal val="visible"/>
+                                      </p:to>
+                                    </p:set>
+                                    <p:anim calcmode="lin" valueType="num">
+                                      <p:cBhvr additive="base">
+                                        <p:cTn id="87" dur="500" fill="hold"/>
+                                        <p:tgtEl>
+                                          <p:spTgt spid="40"/>
+                                        </p:tgtEl>
+                                        <p:attrNameLst>
+                                          <p:attrName>ppt_x</p:attrName>
+                                        </p:attrNameLst>
+                                      </p:cBhvr>
+                                      <p:tavLst>
+                                        <p:tav tm="0">
+                                          <p:val>
+                                            <p:strVal val="#ppt_x"/>
+                                          </p:val>
+                                        </p:tav>
+                                        <p:tav tm="100000">
+                                          <p:val>
+                                            <p:strVal val="#ppt_x"/>
+                                          </p:val>
+                                        </p:tav>
+                                      </p:tavLst>
+                                    </p:anim>
+                                    <p:anim calcmode="lin" valueType="num">
+                                      <p:cBhvr additive="base">
+                                        <p:cTn id="88" dur="500" fill="hold"/>
+                                        <p:tgtEl>
+                                          <p:spTgt spid="40"/>
+                                        </p:tgtEl>
+                                        <p:attrNameLst>
+                                          <p:attrName>ppt_y</p:attrName>
+                                        </p:attrNameLst>
+                                      </p:cBhvr>
+                                      <p:tavLst>
+                                        <p:tav tm="0">
+                                          <p:val>
+                                            <p:strVal val="1+#ppt_h/2"/>
+                                          </p:val>
+                                        </p:tav>
+                                        <p:tav tm="100000">
+                                          <p:val>
+                                            <p:strVal val="#ppt_y"/>
+                                          </p:val>
+                                        </p:tav>
+                                      </p:tavLst>
+                                    </p:anim>
+                                  </p:childTnLst>
+                                </p:cTn>
+                              </p:par>
+                            </p:childTnLst>
+                          </p:cTn>
+                        </p:par>
+                        <p:par>
+                          <p:cTn id="89" fill="hold">
+                            <p:stCondLst>
+                              <p:cond delay="7520"/>
+                            </p:stCondLst>
+                            <p:childTnLst>
+                              <p:par>
+                                <p:cTn id="90" presetID="42" presetClass="entr" presetSubtype="0" fill="hold" grpId="0" nodeType="afterEffect">
+                                  <p:stCondLst>
+                                    <p:cond delay="0"/>
+                                  </p:stCondLst>
+                                  <p:childTnLst>
+                                    <p:set>
+                                      <p:cBhvr>
+                                        <p:cTn id="91" dur="1" fill="hold">
+                                          <p:stCondLst>
+                                            <p:cond delay="0"/>
+                                          </p:stCondLst>
+                                        </p:cTn>
+                                        <p:tgtEl>
+                                          <p:spTgt spid="43"/>
+                                        </p:tgtEl>
+                                        <p:attrNameLst>
+                                          <p:attrName>style.visibility</p:attrName>
+                                        </p:attrNameLst>
+                                      </p:cBhvr>
+                                      <p:to>
+                                        <p:strVal val="visible"/>
+                                      </p:to>
+                                    </p:set>
+                                    <p:animEffect transition="in" filter="fade">
+                                      <p:cBhvr>
+                                        <p:cTn id="92" dur="1000"/>
+                                        <p:tgtEl>
+                                          <p:spTgt spid="43"/>
+                                        </p:tgtEl>
+                                      </p:cBhvr>
+                                    </p:animEffect>
+                                    <p:anim calcmode="lin" valueType="num">
+                                      <p:cBhvr>
+                                        <p:cTn id="93" dur="1000" fill="hold"/>
+                                        <p:tgtEl>
+                                          <p:spTgt spid="43"/>
+                                        </p:tgtEl>
+                                        <p:attrNameLst>
+                                          <p:attrName>ppt_x</p:attrName>
+                                        </p:attrNameLst>
+                                      </p:cBhvr>
+                                      <p:tavLst>
+                                        <p:tav tm="0">
+                                          <p:val>
+                                            <p:strVal val="#ppt_x"/>
+                                          </p:val>
+                                        </p:tav>
+                                        <p:tav tm="100000">
+                                          <p:val>
+                                            <p:strVal val="#ppt_x"/>
+                                          </p:val>
+                                        </p:tav>
+                                      </p:tavLst>
+                                    </p:anim>
+                                    <p:anim calcmode="lin" valueType="num">
+                                      <p:cBhvr>
+                                        <p:cTn id="94" dur="1000" fill="hold"/>
+                                        <p:tgtEl>
+                                          <p:spTgt spid="43"/>
+                                        </p:tgtEl>
+                                        <p:attrNameLst>
+                                          <p:attrName>ppt_y</p:attrName>
+                                        </p:attrNameLst>
+                                      </p:cBhvr>
+                                      <p:tavLst>
+                                        <p:tav tm="0">
+                                          <p:val>
+                                            <p:strVal val="#ppt_y+.1"/>
+                                          </p:val>
+                                        </p:tav>
+                                        <p:tav tm="100000">
+                                          <p:val>
+                                            <p:strVal val="#ppt_y"/>
+                                          </p:val>
+                                        </p:tav>
+                                      </p:tavLst>
+                                    </p:anim>
                                   </p:childTnLst>
                                 </p:cTn>
                               </p:par>
@@ -20313,6 +20850,10 @@
       <p:bldP spid="22" grpId="0" animBg="1"/>
       <p:bldP spid="77" grpId="0"/>
       <p:bldP spid="27" grpId="0" animBg="1"/>
+      <p:bldP spid="26" grpId="0"/>
+      <p:bldP spid="37" grpId="0"/>
+      <p:bldP spid="40" grpId="0"/>
+      <p:bldP spid="43" grpId="0"/>
       <p:bldP spid="45" grpId="0" animBg="1"/>
       <p:bldP spid="46" grpId="0"/>
     </p:bldLst>
@@ -20520,13 +21061,6 @@
               </a:rPr>
               <a:t>个供使用？</a:t>
             </a:r>
-            <a:endParaRPr lang="zh-CN" altLang="en-US" sz="2400" dirty="0" smtClean="0">
-              <a:solidFill>
-                <a:srgbClr val="F8F8F8"/>
-              </a:solidFill>
-              <a:latin typeface="微软雅黑"/>
-              <a:ea typeface="微软雅黑"/>
-            </a:endParaRPr>
           </a:p>
         </p:txBody>
       </p:sp>
@@ -20734,6 +21268,96 @@
                                         </p:tgtEl>
                                       </p:cBhvr>
                                     </p:animEffect>
+                                  </p:childTnLst>
+                                </p:cTn>
+                              </p:par>
+                            </p:childTnLst>
+                          </p:cTn>
+                        </p:par>
+                        <p:par>
+                          <p:cTn id="13" fill="hold">
+                            <p:stCondLst>
+                              <p:cond delay="800"/>
+                            </p:stCondLst>
+                            <p:childTnLst>
+                              <p:par>
+                                <p:cTn id="14" presetID="42" presetClass="entr" presetSubtype="0" fill="hold" nodeType="afterEffect">
+                                  <p:stCondLst>
+                                    <p:cond delay="0"/>
+                                  </p:stCondLst>
+                                  <p:childTnLst>
+                                    <p:set>
+                                      <p:cBhvr>
+                                        <p:cTn id="15" dur="1" fill="hold">
+                                          <p:stCondLst>
+                                            <p:cond delay="0"/>
+                                          </p:stCondLst>
+                                        </p:cTn>
+                                        <p:tgtEl>
+                                          <p:spTgt spid="5122"/>
+                                        </p:tgtEl>
+                                        <p:attrNameLst>
+                                          <p:attrName>style.visibility</p:attrName>
+                                        </p:attrNameLst>
+                                      </p:cBhvr>
+                                      <p:to>
+                                        <p:strVal val="visible"/>
+                                      </p:to>
+                                    </p:set>
+                                    <p:animEffect transition="in" filter="fade">
+                                      <p:cBhvr>
+                                        <p:cTn id="16" dur="1000"/>
+                                        <p:tgtEl>
+                                          <p:spTgt spid="5122"/>
+                                        </p:tgtEl>
+                                      </p:cBhvr>
+                                    </p:animEffect>
+                                    <p:anim calcmode="lin" valueType="num">
+                                      <p:cBhvr>
+                                        <p:cTn id="17" dur="1000" fill="hold"/>
+                                        <p:tgtEl>
+                                          <p:spTgt spid="5122"/>
+                                        </p:tgtEl>
+                                        <p:attrNameLst>
+                                          <p:attrName>ppt_x</p:attrName>
+                                        </p:attrNameLst>
+                                      </p:cBhvr>
+                                      <p:tavLst>
+                                        <p:tav tm="0">
+                                          <p:val>
+                                            <p:strVal val="#ppt_x"/>
+                                          </p:val>
+                                        </p:tav>
+                                        <p:tav tm="100000">
+                                          <p:val>
+                                            <p:strVal val="#ppt_x"/>
+                                          </p:val>
+                                        </p:tav>
+                                      </p:tavLst>
+                                    </p:anim>
+                                    <p:anim calcmode="lin" valueType="num">
+                                      <p:cBhvr>
+                                        <p:cTn id="18" dur="1000" fill="hold"/>
+                                        <p:tgtEl>
+                                          <p:spTgt spid="5122"/>
+                                        </p:tgtEl>
+                                        <p:attrNameLst>
+                                          <p:attrName>ppt_y</p:attrName>
+                                        </p:attrNameLst>
+                                      </p:cBhvr>
+                                      <p:tavLst>
+                                        <p:tav tm="0">
+                                          <p:val>
+                                            <p:strVal val="#ppt_y+.1"/>
+                                          </p:val>
+                                        </p:tav>
+                                        <p:tav tm="100000">
+                                          <p:val>
+                                            <p:strVal val="#ppt_y"/>
+                                          </p:val>
+                                        </p:tav>
+                                      </p:tavLst>
+                                    </p:anim>
                                   </p:childTnLst>
                                 </p:cTn>
                               </p:par>
@@ -27173,13 +27797,6 @@
               </a:rPr>
               <a:t>ry{}catch{}</a:t>
             </a:r>
-            <a:endParaRPr lang="en-US" altLang="zh-CN" dirty="0" smtClean="0">
-              <a:solidFill>
-                <a:srgbClr val="080808"/>
-              </a:solidFill>
-              <a:latin typeface="微软雅黑" pitchFamily="34" charset="-122"/>
-              <a:ea typeface="微软雅黑" pitchFamily="34" charset="-122"/>
-            </a:endParaRPr>
           </a:p>
           <a:p>
             <a:pPr algn="ctr" eaLnBrk="0" fontAlgn="ctr" hangingPunct="0">
@@ -27213,13 +27830,6 @@
               </a:rPr>
               <a:t>finally</a:t>
             </a:r>
-            <a:endParaRPr lang="en-US" altLang="zh-CN" dirty="0" smtClean="0">
-              <a:solidFill>
-                <a:srgbClr val="080808"/>
-              </a:solidFill>
-              <a:latin typeface="微软雅黑" pitchFamily="34" charset="-122"/>
-              <a:ea typeface="微软雅黑" pitchFamily="34" charset="-122"/>
-            </a:endParaRPr>
           </a:p>
           <a:p>
             <a:pPr algn="ctr" eaLnBrk="0" fontAlgn="ctr" hangingPunct="0">
@@ -27497,13 +28107,6 @@
               </a:rPr>
               <a:t>自定义异常</a:t>
             </a:r>
-            <a:endParaRPr lang="zh-CN" altLang="en-US" dirty="0" smtClean="0">
-              <a:solidFill>
-                <a:srgbClr val="080808"/>
-              </a:solidFill>
-              <a:latin typeface="微软雅黑" pitchFamily="34" charset="-122"/>
-              <a:ea typeface="微软雅黑" pitchFamily="34" charset="-122"/>
-            </a:endParaRPr>
           </a:p>
         </p:txBody>
       </p:sp>
@@ -27647,11 +28250,6 @@
                 </a:rPr>
                 <a:t>包</a:t>
               </a:r>
-              <a:endParaRPr lang="zh-CN" altLang="en-US" sz="2400" dirty="0">
-                <a:solidFill>
-                  <a:srgbClr val="F8F8F8"/>
-                </a:solidFill>
-              </a:endParaRPr>
             </a:p>
           </p:txBody>
         </p:sp>
@@ -27782,13 +28380,6 @@
               </a:rPr>
               <a:t>import</a:t>
             </a:r>
-            <a:endParaRPr lang="en-US" altLang="zh-CN" dirty="0" smtClean="0">
-              <a:solidFill>
-                <a:srgbClr val="080808"/>
-              </a:solidFill>
-              <a:latin typeface="微软雅黑" pitchFamily="34" charset="-122"/>
-              <a:ea typeface="微软雅黑" pitchFamily="34" charset="-122"/>
-            </a:endParaRPr>
           </a:p>
           <a:p>
             <a:pPr algn="ctr" eaLnBrk="0" fontAlgn="ctr" hangingPunct="0">
@@ -27862,13 +28453,6 @@
               </a:rPr>
               <a:t>jar</a:t>
             </a:r>
-            <a:endParaRPr lang="en-US" altLang="zh-CN" dirty="0" smtClean="0">
-              <a:solidFill>
-                <a:srgbClr val="080808"/>
-              </a:solidFill>
-              <a:latin typeface="微软雅黑" pitchFamily="34" charset="-122"/>
-              <a:ea typeface="微软雅黑" pitchFamily="34" charset="-122"/>
-            </a:endParaRPr>
           </a:p>
         </p:txBody>
       </p:sp>
@@ -28027,13 +28611,6 @@
               </a:rPr>
               <a:t>private</a:t>
             </a:r>
-            <a:endParaRPr lang="en-US" altLang="zh-CN" dirty="0" smtClean="0">
-              <a:solidFill>
-                <a:srgbClr val="080808"/>
-              </a:solidFill>
-              <a:latin typeface="微软雅黑" pitchFamily="34" charset="-122"/>
-              <a:ea typeface="微软雅黑" pitchFamily="34" charset="-122"/>
-            </a:endParaRPr>
           </a:p>
           <a:p>
             <a:pPr algn="ctr" eaLnBrk="0" fontAlgn="ctr" hangingPunct="0">
@@ -28067,13 +28644,6 @@
               </a:rPr>
               <a:t>default</a:t>
             </a:r>
-            <a:endParaRPr lang="en-US" altLang="zh-CN" dirty="0" smtClean="0">
-              <a:solidFill>
-                <a:srgbClr val="080808"/>
-              </a:solidFill>
-              <a:latin typeface="微软雅黑" pitchFamily="34" charset="-122"/>
-              <a:ea typeface="微软雅黑" pitchFamily="34" charset="-122"/>
-            </a:endParaRPr>
           </a:p>
           <a:p>
             <a:pPr algn="ctr" eaLnBrk="0" fontAlgn="ctr" hangingPunct="0">
@@ -28220,17 +28790,7 @@
                 <a:latin typeface="微软雅黑" pitchFamily="34" charset="-122"/>
                 <a:ea typeface="微软雅黑" pitchFamily="34" charset="-122"/>
               </a:rPr>
-              <a:t>第四次</a:t>
-            </a:r>
-            <a:r>
-              <a:rPr lang="zh-CN" altLang="en-US" sz="2400" dirty="0" smtClean="0">
-                <a:solidFill>
-                  <a:srgbClr val="4D4D4D"/>
-                </a:solidFill>
-                <a:latin typeface="微软雅黑" pitchFamily="34" charset="-122"/>
-                <a:ea typeface="微软雅黑" pitchFamily="34" charset="-122"/>
-              </a:rPr>
-              <a:t>课的内容</a:t>
+              <a:t>第四次课的内容</a:t>
             </a:r>
             <a:endParaRPr lang="zh-CN" altLang="en-US" sz="2400" dirty="0">
               <a:solidFill>
@@ -31348,6 +31908,96 @@
                             </p:childTnLst>
                           </p:cTn>
                         </p:par>
+                        <p:par>
+                          <p:cTn id="13" fill="hold">
+                            <p:stCondLst>
+                              <p:cond delay="800"/>
+                            </p:stCondLst>
+                            <p:childTnLst>
+                              <p:par>
+                                <p:cTn id="14" presetID="42" presetClass="entr" presetSubtype="0" fill="hold" nodeType="afterEffect">
+                                  <p:stCondLst>
+                                    <p:cond delay="0"/>
+                                  </p:stCondLst>
+                                  <p:childTnLst>
+                                    <p:set>
+                                      <p:cBhvr>
+                                        <p:cTn id="15" dur="1" fill="hold">
+                                          <p:stCondLst>
+                                            <p:cond delay="0"/>
+                                          </p:stCondLst>
+                                        </p:cTn>
+                                        <p:tgtEl>
+                                          <p:spTgt spid="3074"/>
+                                        </p:tgtEl>
+                                        <p:attrNameLst>
+                                          <p:attrName>style.visibility</p:attrName>
+                                        </p:attrNameLst>
+                                      </p:cBhvr>
+                                      <p:to>
+                                        <p:strVal val="visible"/>
+                                      </p:to>
+                                    </p:set>
+                                    <p:animEffect transition="in" filter="fade">
+                                      <p:cBhvr>
+                                        <p:cTn id="16" dur="1000"/>
+                                        <p:tgtEl>
+                                          <p:spTgt spid="3074"/>
+                                        </p:tgtEl>
+                                      </p:cBhvr>
+                                    </p:animEffect>
+                                    <p:anim calcmode="lin" valueType="num">
+                                      <p:cBhvr>
+                                        <p:cTn id="17" dur="1000" fill="hold"/>
+                                        <p:tgtEl>
+                                          <p:spTgt spid="3074"/>
+                                        </p:tgtEl>
+                                        <p:attrNameLst>
+                                          <p:attrName>ppt_x</p:attrName>
+                                        </p:attrNameLst>
+                                      </p:cBhvr>
+                                      <p:tavLst>
+                                        <p:tav tm="0">
+                                          <p:val>
+                                            <p:strVal val="#ppt_x"/>
+                                          </p:val>
+                                        </p:tav>
+                                        <p:tav tm="100000">
+                                          <p:val>
+                                            <p:strVal val="#ppt_x"/>
+                                          </p:val>
+                                        </p:tav>
+                                      </p:tavLst>
+                                    </p:anim>
+                                    <p:anim calcmode="lin" valueType="num">
+                                      <p:cBhvr>
+                                        <p:cTn id="18" dur="1000" fill="hold"/>
+                                        <p:tgtEl>
+                                          <p:spTgt spid="3074"/>
+                                        </p:tgtEl>
+                                        <p:attrNameLst>
+                                          <p:attrName>ppt_y</p:attrName>
+                                        </p:attrNameLst>
+                                      </p:cBhvr>
+                                      <p:tavLst>
+                                        <p:tav tm="0">
+                                          <p:val>
+                                            <p:strVal val="#ppt_y+.1"/>
+                                          </p:val>
+                                        </p:tav>
+                                        <p:tav tm="100000">
+                                          <p:val>
+                                            <p:strVal val="#ppt_y"/>
+                                          </p:val>
+                                        </p:tav>
+                                      </p:tavLst>
+                                    </p:anim>
+                                  </p:childTnLst>
+                                </p:cTn>
+                              </p:par>
+                            </p:childTnLst>
+                          </p:cTn>
+                        </p:par>
                       </p:childTnLst>
                     </p:cTn>
                   </p:par>
@@ -32369,6 +33019,96 @@
                                         </p:tgtEl>
                                       </p:cBhvr>
                                     </p:animEffect>
+                                  </p:childTnLst>
+                                </p:cTn>
+                              </p:par>
+                            </p:childTnLst>
+                          </p:cTn>
+                        </p:par>
+                        <p:par>
+                          <p:cTn id="13" fill="hold">
+                            <p:stCondLst>
+                              <p:cond delay="800"/>
+                            </p:stCondLst>
+                            <p:childTnLst>
+                              <p:par>
+                                <p:cTn id="14" presetID="42" presetClass="entr" presetSubtype="0" fill="hold" nodeType="afterEffect">
+                                  <p:stCondLst>
+                                    <p:cond delay="0"/>
+                                  </p:stCondLst>
+                                  <p:childTnLst>
+                                    <p:set>
+                                      <p:cBhvr>
+                                        <p:cTn id="15" dur="1" fill="hold">
+                                          <p:stCondLst>
+                                            <p:cond delay="0"/>
+                                          </p:stCondLst>
+                                        </p:cTn>
+                                        <p:tgtEl>
+                                          <p:spTgt spid="6146"/>
+                                        </p:tgtEl>
+                                        <p:attrNameLst>
+                                          <p:attrName>style.visibility</p:attrName>
+                                        </p:attrNameLst>
+                                      </p:cBhvr>
+                                      <p:to>
+                                        <p:strVal val="visible"/>
+                                      </p:to>
+                                    </p:set>
+                                    <p:animEffect transition="in" filter="fade">
+                                      <p:cBhvr>
+                                        <p:cTn id="16" dur="1000"/>
+                                        <p:tgtEl>
+                                          <p:spTgt spid="6146"/>
+                                        </p:tgtEl>
+                                      </p:cBhvr>
+                                    </p:animEffect>
+                                    <p:anim calcmode="lin" valueType="num">
+                                      <p:cBhvr>
+                                        <p:cTn id="17" dur="1000" fill="hold"/>
+                                        <p:tgtEl>
+                                          <p:spTgt spid="6146"/>
+                                        </p:tgtEl>
+                                        <p:attrNameLst>
+                                          <p:attrName>ppt_x</p:attrName>
+                                        </p:attrNameLst>
+                                      </p:cBhvr>
+                                      <p:tavLst>
+                                        <p:tav tm="0">
+                                          <p:val>
+                                            <p:strVal val="#ppt_x"/>
+                                          </p:val>
+                                        </p:tav>
+                                        <p:tav tm="100000">
+                                          <p:val>
+                                            <p:strVal val="#ppt_x"/>
+                                          </p:val>
+                                        </p:tav>
+                                      </p:tavLst>
+                                    </p:anim>
+                                    <p:anim calcmode="lin" valueType="num">
+                                      <p:cBhvr>
+                                        <p:cTn id="18" dur="1000" fill="hold"/>
+                                        <p:tgtEl>
+                                          <p:spTgt spid="6146"/>
+                                        </p:tgtEl>
+                                        <p:attrNameLst>
+                                          <p:attrName>ppt_y</p:attrName>
+                                        </p:attrNameLst>
+                                      </p:cBhvr>
+                                      <p:tavLst>
+                                        <p:tav tm="0">
+                                          <p:val>
+                                            <p:strVal val="#ppt_y+.1"/>
+                                          </p:val>
+                                        </p:tav>
+                                        <p:tav tm="100000">
+                                          <p:val>
+                                            <p:strVal val="#ppt_y"/>
+                                          </p:val>
+                                        </p:tav>
+                                      </p:tavLst>
+                                    </p:anim>
                                   </p:childTnLst>
                                 </p:cTn>
                               </p:par>

--- a/PPT/每次课PPT/04 面向对象（下）-2.pptx
+++ b/PPT/每次课PPT/04 面向对象（下）-2.pptx
@@ -36,7 +36,7 @@
     <p:sldId id="683" r:id="rId24"/>
   </p:sldIdLst>
   <p:sldSz cx="12196763" cy="6858000"/>
-  <p:notesSz cx="6858000" cy="9144000"/>
+  <p:notesSz cx="7099300" cy="10234613"/>
   <p:defaultTextStyle>
     <a:defPPr>
       <a:defRPr lang="zh-CN"/>
@@ -205,17 +205,17 @@
         <p:spPr>
           <a:xfrm>
             <a:off x="0" y="0"/>
-            <a:ext cx="2971800" cy="457200"/>
+            <a:ext cx="3076363" cy="511731"/>
           </a:xfrm>
           <a:prstGeom prst="rect">
             <a:avLst/>
           </a:prstGeom>
         </p:spPr>
         <p:txBody>
-          <a:bodyPr vert="horz" lIns="91440" tIns="45720" rIns="91440" bIns="45720" rtlCol="0"/>
+          <a:bodyPr vert="horz" lIns="99048" tIns="49524" rIns="99048" bIns="49524" rtlCol="0"/>
           <a:lstStyle>
             <a:lvl1pPr algn="l">
-              <a:defRPr sz="1200"/>
+              <a:defRPr sz="1300"/>
             </a:lvl1pPr>
           </a:lstStyle>
           <a:p>
@@ -235,18 +235,18 @@
         </p:nvSpPr>
         <p:spPr>
           <a:xfrm>
-            <a:off x="3884613" y="0"/>
-            <a:ext cx="2971800" cy="457200"/>
+            <a:off x="4021294" y="0"/>
+            <a:ext cx="3076363" cy="511731"/>
           </a:xfrm>
           <a:prstGeom prst="rect">
             <a:avLst/>
           </a:prstGeom>
         </p:spPr>
         <p:txBody>
-          <a:bodyPr vert="horz" lIns="91440" tIns="45720" rIns="91440" bIns="45720" rtlCol="0"/>
+          <a:bodyPr vert="horz" lIns="99048" tIns="49524" rIns="99048" bIns="49524" rtlCol="0"/>
           <a:lstStyle>
             <a:lvl1pPr algn="r">
-              <a:defRPr sz="1200"/>
+              <a:defRPr sz="1300"/>
             </a:lvl1pPr>
           </a:lstStyle>
           <a:p>
@@ -271,18 +271,18 @@
         </p:nvSpPr>
         <p:spPr>
           <a:xfrm>
-            <a:off x="0" y="8685213"/>
-            <a:ext cx="2971800" cy="457200"/>
+            <a:off x="0" y="9721106"/>
+            <a:ext cx="3076363" cy="511731"/>
           </a:xfrm>
           <a:prstGeom prst="rect">
             <a:avLst/>
           </a:prstGeom>
         </p:spPr>
         <p:txBody>
-          <a:bodyPr vert="horz" lIns="91440" tIns="45720" rIns="91440" bIns="45720" rtlCol="0" anchor="b"/>
+          <a:bodyPr vert="horz" lIns="99048" tIns="49524" rIns="99048" bIns="49524" rtlCol="0" anchor="b"/>
           <a:lstStyle>
             <a:lvl1pPr algn="l">
-              <a:defRPr sz="1200"/>
+              <a:defRPr sz="1300"/>
             </a:lvl1pPr>
           </a:lstStyle>
           <a:p>
@@ -302,18 +302,18 @@
         </p:nvSpPr>
         <p:spPr>
           <a:xfrm>
-            <a:off x="3884613" y="8685213"/>
-            <a:ext cx="2971800" cy="457200"/>
+            <a:off x="4021294" y="9721106"/>
+            <a:ext cx="3076363" cy="511731"/>
           </a:xfrm>
           <a:prstGeom prst="rect">
             <a:avLst/>
           </a:prstGeom>
         </p:spPr>
         <p:txBody>
-          <a:bodyPr vert="horz" lIns="91440" tIns="45720" rIns="91440" bIns="45720" rtlCol="0" anchor="b"/>
+          <a:bodyPr vert="horz" lIns="99048" tIns="49524" rIns="99048" bIns="49524" rtlCol="0" anchor="b"/>
           <a:lstStyle>
             <a:lvl1pPr algn="r">
-              <a:defRPr sz="1200"/>
+              <a:defRPr sz="1300"/>
             </a:lvl1pPr>
           </a:lstStyle>
           <a:p>
@@ -375,7 +375,7 @@
         <p:spPr bwMode="auto">
           <a:xfrm>
             <a:off x="0" y="0"/>
-            <a:ext cx="2971800" cy="457200"/>
+            <a:ext cx="3076363" cy="511731"/>
           </a:xfrm>
           <a:prstGeom prst="rect">
             <a:avLst/>
@@ -415,14 +415,14 @@
           </a:extLst>
         </p:spPr>
         <p:txBody>
-          <a:bodyPr vert="horz" wrap="square" lIns="91440" tIns="45720" rIns="91440" bIns="45720" numCol="1" anchor="t" anchorCtr="0" compatLnSpc="1">
+          <a:bodyPr vert="horz" wrap="square" lIns="99048" tIns="49524" rIns="99048" bIns="49524" numCol="1" anchor="t" anchorCtr="0" compatLnSpc="1">
             <a:prstTxWarp prst="textNoShape">
               <a:avLst/>
             </a:prstTxWarp>
           </a:bodyPr>
           <a:lstStyle>
             <a:lvl1pPr eaLnBrk="0" hangingPunct="0">
-              <a:defRPr sz="1200"/>
+              <a:defRPr sz="1300"/>
             </a:lvl1pPr>
           </a:lstStyle>
           <a:p>
@@ -442,8 +442,8 @@
         </p:nvSpPr>
         <p:spPr bwMode="auto">
           <a:xfrm>
-            <a:off x="3884613" y="0"/>
-            <a:ext cx="2971800" cy="457200"/>
+            <a:off x="4021294" y="0"/>
+            <a:ext cx="3076363" cy="511731"/>
           </a:xfrm>
           <a:prstGeom prst="rect">
             <a:avLst/>
@@ -483,14 +483,14 @@
           </a:extLst>
         </p:spPr>
         <p:txBody>
-          <a:bodyPr vert="horz" wrap="square" lIns="91440" tIns="45720" rIns="91440" bIns="45720" numCol="1" anchor="t" anchorCtr="0" compatLnSpc="1">
+          <a:bodyPr vert="horz" wrap="square" lIns="99048" tIns="49524" rIns="99048" bIns="49524" numCol="1" anchor="t" anchorCtr="0" compatLnSpc="1">
             <a:prstTxWarp prst="textNoShape">
               <a:avLst/>
             </a:prstTxWarp>
           </a:bodyPr>
           <a:lstStyle>
             <a:lvl1pPr algn="r" eaLnBrk="0" hangingPunct="0">
-              <a:defRPr sz="1200"/>
+              <a:defRPr sz="1300"/>
             </a:lvl1pPr>
           </a:lstStyle>
           <a:p>
@@ -515,8 +515,8 @@
         </p:nvSpPr>
         <p:spPr bwMode="auto">
           <a:xfrm>
-            <a:off x="1143000" y="685800"/>
-            <a:ext cx="4572000" cy="3429000"/>
+            <a:off x="138113" y="768350"/>
+            <a:ext cx="6823075" cy="3836988"/>
           </a:xfrm>
           <a:prstGeom prst="rect">
             <a:avLst/>
@@ -568,8 +568,8 @@
         </p:nvSpPr>
         <p:spPr bwMode="auto">
           <a:xfrm>
-            <a:off x="685800" y="4343400"/>
-            <a:ext cx="5486400" cy="4114800"/>
+            <a:off x="709930" y="4861441"/>
+            <a:ext cx="5679440" cy="4605576"/>
           </a:xfrm>
           <a:prstGeom prst="rect">
             <a:avLst/>
@@ -609,7 +609,7 @@
           </a:extLst>
         </p:spPr>
         <p:txBody>
-          <a:bodyPr vert="horz" wrap="square" lIns="91440" tIns="45720" rIns="91440" bIns="45720" numCol="1" anchor="ctr" anchorCtr="0" compatLnSpc="1">
+          <a:bodyPr vert="horz" wrap="square" lIns="99048" tIns="49524" rIns="99048" bIns="49524" numCol="1" anchor="ctr" anchorCtr="0" compatLnSpc="1">
             <a:prstTxWarp prst="textNoShape">
               <a:avLst/>
             </a:prstTxWarp>
@@ -664,8 +664,8 @@
         </p:nvSpPr>
         <p:spPr bwMode="auto">
           <a:xfrm>
-            <a:off x="0" y="8685213"/>
-            <a:ext cx="2971800" cy="457200"/>
+            <a:off x="0" y="9721106"/>
+            <a:ext cx="3076363" cy="511731"/>
           </a:xfrm>
           <a:prstGeom prst="rect">
             <a:avLst/>
@@ -705,14 +705,14 @@
           </a:extLst>
         </p:spPr>
         <p:txBody>
-          <a:bodyPr vert="horz" wrap="square" lIns="91440" tIns="45720" rIns="91440" bIns="45720" numCol="1" anchor="b" anchorCtr="0" compatLnSpc="1">
+          <a:bodyPr vert="horz" wrap="square" lIns="99048" tIns="49524" rIns="99048" bIns="49524" numCol="1" anchor="b" anchorCtr="0" compatLnSpc="1">
             <a:prstTxWarp prst="textNoShape">
               <a:avLst/>
             </a:prstTxWarp>
           </a:bodyPr>
           <a:lstStyle>
             <a:lvl1pPr eaLnBrk="0" hangingPunct="0">
-              <a:defRPr sz="1200"/>
+              <a:defRPr sz="1300"/>
             </a:lvl1pPr>
           </a:lstStyle>
           <a:p>
@@ -732,8 +732,8 @@
         </p:nvSpPr>
         <p:spPr bwMode="auto">
           <a:xfrm>
-            <a:off x="3884613" y="8685213"/>
-            <a:ext cx="2971800" cy="457200"/>
+            <a:off x="4021294" y="9721106"/>
+            <a:ext cx="3076363" cy="511731"/>
           </a:xfrm>
           <a:prstGeom prst="rect">
             <a:avLst/>
@@ -773,14 +773,14 @@
           </a:extLst>
         </p:spPr>
         <p:txBody>
-          <a:bodyPr vert="horz" wrap="square" lIns="91440" tIns="45720" rIns="91440" bIns="45720" numCol="1" anchor="b" anchorCtr="0" compatLnSpc="1">
+          <a:bodyPr vert="horz" wrap="square" lIns="99048" tIns="49524" rIns="99048" bIns="49524" numCol="1" anchor="b" anchorCtr="0" compatLnSpc="1">
             <a:prstTxWarp prst="textNoShape">
               <a:avLst/>
             </a:prstTxWarp>
           </a:bodyPr>
           <a:lstStyle>
             <a:lvl1pPr algn="r" eaLnBrk="0" hangingPunct="0">
-              <a:defRPr sz="1200"/>
+              <a:defRPr sz="1300"/>
             </a:lvl1pPr>
           </a:lstStyle>
           <a:p>
@@ -955,8 +955,8 @@
         </p:nvSpPr>
         <p:spPr>
           <a:xfrm>
-            <a:off x="381000" y="685800"/>
-            <a:ext cx="6096000" cy="3429000"/>
+            <a:off x="138113" y="768350"/>
+            <a:ext cx="6823075" cy="3836988"/>
           </a:xfrm>
         </p:spPr>
       </p:sp>
@@ -1053,8 +1053,8 @@
         </p:nvSpPr>
         <p:spPr>
           <a:xfrm>
-            <a:off x="381000" y="685800"/>
-            <a:ext cx="6096000" cy="3429000"/>
+            <a:off x="138113" y="768350"/>
+            <a:ext cx="6823075" cy="3836988"/>
           </a:xfrm>
         </p:spPr>
       </p:sp>
@@ -1151,8 +1151,8 @@
         </p:nvSpPr>
         <p:spPr>
           <a:xfrm>
-            <a:off x="381000" y="685800"/>
-            <a:ext cx="6096000" cy="3429000"/>
+            <a:off x="138113" y="768350"/>
+            <a:ext cx="6823075" cy="3836988"/>
           </a:xfrm>
         </p:spPr>
       </p:sp>
@@ -1249,8 +1249,8 @@
         </p:nvSpPr>
         <p:spPr>
           <a:xfrm>
-            <a:off x="381000" y="685800"/>
-            <a:ext cx="6096000" cy="3429000"/>
+            <a:off x="138113" y="768350"/>
+            <a:ext cx="6823075" cy="3836988"/>
           </a:xfrm>
         </p:spPr>
       </p:sp>
@@ -1347,8 +1347,8 @@
         </p:nvSpPr>
         <p:spPr>
           <a:xfrm>
-            <a:off x="381000" y="685800"/>
-            <a:ext cx="6096000" cy="3429000"/>
+            <a:off x="138113" y="768350"/>
+            <a:ext cx="6823075" cy="3836988"/>
           </a:xfrm>
         </p:spPr>
       </p:sp>
@@ -1445,8 +1445,8 @@
         </p:nvSpPr>
         <p:spPr>
           <a:xfrm>
-            <a:off x="381000" y="685800"/>
-            <a:ext cx="6096000" cy="3429000"/>
+            <a:off x="138113" y="768350"/>
+            <a:ext cx="6823075" cy="3836988"/>
           </a:xfrm>
         </p:spPr>
       </p:sp>
@@ -1543,8 +1543,8 @@
         </p:nvSpPr>
         <p:spPr>
           <a:xfrm>
-            <a:off x="381000" y="685800"/>
-            <a:ext cx="6096000" cy="3429000"/>
+            <a:off x="138113" y="768350"/>
+            <a:ext cx="6823075" cy="3836988"/>
           </a:xfrm>
         </p:spPr>
       </p:sp>
@@ -1641,8 +1641,8 @@
         </p:nvSpPr>
         <p:spPr>
           <a:xfrm>
-            <a:off x="381000" y="685800"/>
-            <a:ext cx="6096000" cy="3429000"/>
+            <a:off x="138113" y="768350"/>
+            <a:ext cx="6823075" cy="3836988"/>
           </a:xfrm>
         </p:spPr>
       </p:sp>
@@ -1739,8 +1739,8 @@
         </p:nvSpPr>
         <p:spPr>
           <a:xfrm>
-            <a:off x="381000" y="685800"/>
-            <a:ext cx="6096000" cy="3429000"/>
+            <a:off x="138113" y="768350"/>
+            <a:ext cx="6823075" cy="3836988"/>
           </a:xfrm>
         </p:spPr>
       </p:sp>
@@ -1837,8 +1837,8 @@
         </p:nvSpPr>
         <p:spPr>
           <a:xfrm>
-            <a:off x="381000" y="685800"/>
-            <a:ext cx="6096000" cy="3429000"/>
+            <a:off x="138113" y="768350"/>
+            <a:ext cx="6823075" cy="3836988"/>
           </a:xfrm>
         </p:spPr>
       </p:sp>
@@ -1935,8 +1935,8 @@
         </p:nvSpPr>
         <p:spPr>
           <a:xfrm>
-            <a:off x="381000" y="685800"/>
-            <a:ext cx="6096000" cy="3429000"/>
+            <a:off x="138113" y="768350"/>
+            <a:ext cx="6823075" cy="3836988"/>
           </a:xfrm>
         </p:spPr>
       </p:sp>
@@ -2033,8 +2033,8 @@
         </p:nvSpPr>
         <p:spPr>
           <a:xfrm>
-            <a:off x="381000" y="685800"/>
-            <a:ext cx="6096000" cy="3429000"/>
+            <a:off x="138113" y="768350"/>
+            <a:ext cx="6823075" cy="3836988"/>
           </a:xfrm>
         </p:spPr>
       </p:sp>
@@ -2131,8 +2131,8 @@
         </p:nvSpPr>
         <p:spPr>
           <a:xfrm>
-            <a:off x="381000" y="685800"/>
-            <a:ext cx="6096000" cy="3429000"/>
+            <a:off x="138113" y="768350"/>
+            <a:ext cx="6823075" cy="3836988"/>
           </a:xfrm>
         </p:spPr>
       </p:sp>
@@ -2229,8 +2229,8 @@
         </p:nvSpPr>
         <p:spPr>
           <a:xfrm>
-            <a:off x="381000" y="685800"/>
-            <a:ext cx="6096000" cy="3429000"/>
+            <a:off x="138113" y="768350"/>
+            <a:ext cx="6823075" cy="3836988"/>
           </a:xfrm>
         </p:spPr>
       </p:sp>
@@ -2327,8 +2327,8 @@
         </p:nvSpPr>
         <p:spPr>
           <a:xfrm>
-            <a:off x="381000" y="685800"/>
-            <a:ext cx="6096000" cy="3429000"/>
+            <a:off x="138113" y="768350"/>
+            <a:ext cx="6823075" cy="3836988"/>
           </a:xfrm>
         </p:spPr>
       </p:sp>
@@ -2417,8 +2417,8 @@
         </p:nvSpPr>
         <p:spPr>
           <a:xfrm>
-            <a:off x="381000" y="685800"/>
-            <a:ext cx="6096000" cy="3429000"/>
+            <a:off x="138113" y="768350"/>
+            <a:ext cx="6823075" cy="3836988"/>
           </a:xfrm>
         </p:spPr>
       </p:sp>
@@ -2515,8 +2515,8 @@
         </p:nvSpPr>
         <p:spPr>
           <a:xfrm>
-            <a:off x="381000" y="685800"/>
-            <a:ext cx="6096000" cy="3429000"/>
+            <a:off x="138113" y="768350"/>
+            <a:ext cx="6823075" cy="3836988"/>
           </a:xfrm>
         </p:spPr>
       </p:sp>
@@ -2613,8 +2613,8 @@
         </p:nvSpPr>
         <p:spPr>
           <a:xfrm>
-            <a:off x="381000" y="685800"/>
-            <a:ext cx="6096000" cy="3429000"/>
+            <a:off x="138113" y="768350"/>
+            <a:ext cx="6823075" cy="3836988"/>
           </a:xfrm>
         </p:spPr>
       </p:sp>
@@ -2711,8 +2711,8 @@
         </p:nvSpPr>
         <p:spPr>
           <a:xfrm>
-            <a:off x="381000" y="685800"/>
-            <a:ext cx="6096000" cy="3429000"/>
+            <a:off x="138113" y="768350"/>
+            <a:ext cx="6823075" cy="3836988"/>
           </a:xfrm>
         </p:spPr>
       </p:sp>
@@ -2809,8 +2809,8 @@
         </p:nvSpPr>
         <p:spPr>
           <a:xfrm>
-            <a:off x="381000" y="685800"/>
-            <a:ext cx="6096000" cy="3429000"/>
+            <a:off x="138113" y="768350"/>
+            <a:ext cx="6823075" cy="3836988"/>
           </a:xfrm>
         </p:spPr>
       </p:sp>
@@ -2907,8 +2907,8 @@
         </p:nvSpPr>
         <p:spPr>
           <a:xfrm>
-            <a:off x="381000" y="685800"/>
-            <a:ext cx="6096000" cy="3429000"/>
+            <a:off x="138113" y="768350"/>
+            <a:ext cx="6823075" cy="3836988"/>
           </a:xfrm>
         </p:spPr>
       </p:sp>
@@ -3005,8 +3005,8 @@
         </p:nvSpPr>
         <p:spPr>
           <a:xfrm>
-            <a:off x="381000" y="685800"/>
-            <a:ext cx="6096000" cy="3429000"/>
+            <a:off x="138113" y="768350"/>
+            <a:ext cx="6823075" cy="3836988"/>
           </a:xfrm>
         </p:spPr>
       </p:sp>
@@ -3103,8 +3103,8 @@
         </p:nvSpPr>
         <p:spPr>
           <a:xfrm>
-            <a:off x="381000" y="685800"/>
-            <a:ext cx="6096000" cy="3429000"/>
+            <a:off x="138113" y="768350"/>
+            <a:ext cx="6823075" cy="3836988"/>
           </a:xfrm>
         </p:spPr>
       </p:sp>
@@ -13209,8 +13209,8 @@
   <p:transition spd="slow" advTm="8563">
     <p:push dir="r"/>
   </p:transition>
-  <mc:AlternateContent xmlns:mc="http://schemas.openxmlformats.org/markup-compatibility/2006">
-    <mc:Choice xmlns:p14="http://schemas.microsoft.com/office/powerpoint/2010/main" Requires="p14">
+  <mc:AlternateContent xmlns:mc="http://schemas.openxmlformats.org/markup-compatibility/2006" xmlns:p14="http://schemas.microsoft.com/office/powerpoint/2010/main">
+    <mc:Choice Requires="p14">
       <p:timing>
         <p:tnLst>
           <p:par>
@@ -14162,7 +14162,7 @@
         </p:bldLst>
       </p:timing>
     </mc:Choice>
-    <mc:Fallback>
+    <mc:Fallback xmlns="">
       <p:timing>
         <p:tnLst>
           <p:par>
@@ -16072,6 +16072,153 @@
                 <a:headEnd/>
                 <a:tailEnd/>
               </a14:hiddenLine>
+            </a:ext>
+          </a:extLst>
+        </p:spPr>
+      </p:pic>
+      <p:pic>
+        <p:nvPicPr>
+          <p:cNvPr id="2" name="Picture 2"/>
+          <p:cNvPicPr>
+            <a:picLocks noChangeAspect="1" noChangeArrowheads="1"/>
+          </p:cNvPicPr>
+          <p:nvPr/>
+        </p:nvPicPr>
+        <p:blipFill>
+          <a:blip r:embed="rId4">
+            <a:extLst>
+              <a:ext uri="{28A0092B-C50C-407E-A947-70E740481C1C}">
+                <a14:useLocalDpi xmlns:a14="http://schemas.microsoft.com/office/drawing/2010/main" val="0"/>
+              </a:ext>
+            </a:extLst>
+          </a:blip>
+          <a:srcRect/>
+          <a:stretch>
+            <a:fillRect/>
+          </a:stretch>
+        </p:blipFill>
+        <p:spPr bwMode="auto">
+          <a:xfrm>
+            <a:off x="204874" y="5048854"/>
+            <a:ext cx="5893506" cy="1603938"/>
+          </a:xfrm>
+          <a:prstGeom prst="rect">
+            <a:avLst/>
+          </a:prstGeom>
+          <a:noFill/>
+          <a:ln w="9525">
+            <a:solidFill>
+              <a:schemeClr val="tx1"/>
+            </a:solidFill>
+            <a:miter lim="800000"/>
+            <a:headEnd/>
+            <a:tailEnd/>
+          </a:ln>
+          <a:extLst>
+            <a:ext uri="{909E8E84-426E-40DD-AFC4-6F175D3DCCD1}">
+              <a14:hiddenFill xmlns:a14="http://schemas.microsoft.com/office/drawing/2010/main">
+                <a:solidFill>
+                  <a:schemeClr val="accent1"/>
+                </a:solidFill>
+              </a14:hiddenFill>
+            </a:ext>
+          </a:extLst>
+        </p:spPr>
+      </p:pic>
+      <p:pic>
+        <p:nvPicPr>
+          <p:cNvPr id="1027" name="Picture 3"/>
+          <p:cNvPicPr>
+            <a:picLocks noChangeAspect="1" noChangeArrowheads="1"/>
+          </p:cNvPicPr>
+          <p:nvPr/>
+        </p:nvPicPr>
+        <p:blipFill>
+          <a:blip r:embed="rId5">
+            <a:extLst>
+              <a:ext uri="{28A0092B-C50C-407E-A947-70E740481C1C}">
+                <a14:useLocalDpi xmlns:a14="http://schemas.microsoft.com/office/drawing/2010/main" val="0"/>
+              </a:ext>
+            </a:extLst>
+          </a:blip>
+          <a:srcRect/>
+          <a:stretch>
+            <a:fillRect/>
+          </a:stretch>
+        </p:blipFill>
+        <p:spPr bwMode="auto">
+          <a:xfrm>
+            <a:off x="6242397" y="5018214"/>
+            <a:ext cx="5444827" cy="1634578"/>
+          </a:xfrm>
+          <a:prstGeom prst="rect">
+            <a:avLst/>
+          </a:prstGeom>
+          <a:noFill/>
+          <a:ln w="9525">
+            <a:solidFill>
+              <a:schemeClr val="tx1"/>
+            </a:solidFill>
+            <a:miter lim="800000"/>
+            <a:headEnd/>
+            <a:tailEnd/>
+          </a:ln>
+          <a:extLst>
+            <a:ext uri="{909E8E84-426E-40DD-AFC4-6F175D3DCCD1}">
+              <a14:hiddenFill xmlns:a14="http://schemas.microsoft.com/office/drawing/2010/main">
+                <a:solidFill>
+                  <a:schemeClr val="accent1"/>
+                </a:solidFill>
+              </a14:hiddenFill>
+            </a:ext>
+          </a:extLst>
+        </p:spPr>
+      </p:pic>
+      <p:pic>
+        <p:nvPicPr>
+          <p:cNvPr id="1028" name="Picture 4"/>
+          <p:cNvPicPr>
+            <a:picLocks noChangeAspect="1" noChangeArrowheads="1"/>
+          </p:cNvPicPr>
+          <p:nvPr/>
+        </p:nvPicPr>
+        <p:blipFill>
+          <a:blip r:embed="rId6">
+            <a:extLst>
+              <a:ext uri="{28A0092B-C50C-407E-A947-70E740481C1C}">
+                <a14:useLocalDpi xmlns:a14="http://schemas.microsoft.com/office/drawing/2010/main" val="0"/>
+              </a:ext>
+            </a:extLst>
+          </a:blip>
+          <a:srcRect/>
+          <a:stretch>
+            <a:fillRect/>
+          </a:stretch>
+        </p:blipFill>
+        <p:spPr bwMode="auto">
+          <a:xfrm>
+            <a:off x="7385999" y="980728"/>
+            <a:ext cx="4417665" cy="1158297"/>
+          </a:xfrm>
+          <a:prstGeom prst="rect">
+            <a:avLst/>
+          </a:prstGeom>
+          <a:noFill/>
+          <a:ln w="9525">
+            <a:solidFill>
+              <a:schemeClr val="tx1"/>
+            </a:solidFill>
+            <a:miter lim="800000"/>
+            <a:headEnd/>
+            <a:tailEnd/>
+          </a:ln>
+          <a:extLst>
+            <a:ext uri="{909E8E84-426E-40DD-AFC4-6F175D3DCCD1}">
+              <a14:hiddenFill xmlns:a14="http://schemas.microsoft.com/office/drawing/2010/main">
+                <a:solidFill>
+                  <a:schemeClr val="accent1"/>
+                </a:solidFill>
+              </a14:hiddenFill>
             </a:ext>
           </a:extLst>
         </p:spPr>

--- a/PPT/每次课PPT/04 面向对象（下）-2.pptx
+++ b/PPT/每次课PPT/04 面向对象（下）-2.pptx
@@ -253,7 +253,7 @@
             <a:fld id="{1AA66804-583B-42BE-962B-441699487C40}" type="datetimeFigureOut">
               <a:rPr lang="zh-CN" altLang="en-US" smtClean="0"/>
               <a:pPr/>
-              <a:t>2017-09-21</a:t>
+              <a:t>2017-09-29</a:t>
             </a:fld>
             <a:endParaRPr lang="zh-CN" altLang="en-US"/>
           </a:p>
@@ -497,7 +497,7 @@
             <a:fld id="{B9EEDA17-7CE7-49CA-897E-A1888A19DA62}" type="datetimeFigureOut">
               <a:rPr lang="zh-CN" altLang="en-US"/>
               <a:pPr/>
-              <a:t>2017-09-21</a:t>
+              <a:t>2017-09-29</a:t>
             </a:fld>
             <a:endParaRPr lang="en-US"/>
           </a:p>
@@ -19623,8 +19623,8 @@
         </p:nvSpPr>
         <p:spPr>
           <a:xfrm>
-            <a:off x="2767919" y="3309475"/>
-            <a:ext cx="748923" cy="430887"/>
+            <a:off x="2436987" y="3148837"/>
+            <a:ext cx="1307602" cy="769441"/>
           </a:xfrm>
           <a:prstGeom prst="rect">
             <a:avLst/>
@@ -19637,6 +19637,7 @@
           </a:bodyPr>
           <a:lstStyle/>
           <a:p>
+            <a:pPr algn="ctr"/>
             <a:r>
               <a:rPr lang="zh-CN" altLang="en-US" sz="2200" dirty="0" smtClean="0">
                 <a:solidFill>
@@ -19645,7 +19646,27 @@
                 <a:latin typeface="微软雅黑"/>
                 <a:ea typeface="微软雅黑"/>
               </a:rPr>
-              <a:t>接口</a:t>
+              <a:t>包</a:t>
+            </a:r>
+            <a:endParaRPr lang="en-US" altLang="zh-CN" sz="2200" dirty="0" smtClean="0">
+              <a:solidFill>
+                <a:srgbClr val="F8F8F8"/>
+              </a:solidFill>
+              <a:latin typeface="微软雅黑"/>
+              <a:ea typeface="微软雅黑"/>
+            </a:endParaRPr>
+          </a:p>
+          <a:p>
+            <a:pPr algn="ctr"/>
+            <a:r>
+              <a:rPr lang="en-US" altLang="zh-CN" sz="2200" dirty="0" smtClean="0">
+                <a:solidFill>
+                  <a:srgbClr val="F8F8F8"/>
+                </a:solidFill>
+                <a:latin typeface="微软雅黑"/>
+                <a:ea typeface="微软雅黑"/>
+              </a:rPr>
+              <a:t>package</a:t>
             </a:r>
             <a:endParaRPr lang="zh-CN" altLang="en-US" sz="2200" dirty="0">
               <a:solidFill>
